--- a/green_project_web-master/html-css_ppt/GIT_github.pptx
+++ b/green_project_web-master/html-css_ppt/GIT_github.pptx
@@ -129,7 +129,7 @@
   </p:defaultTextStyle>
   <p:extLst>
     <p:ext uri="{EFAFB233-063F-42B5-8137-9DF3F51BA10A}">
-      <p15:sldGuideLst xmlns="" xmlns:p15="http://schemas.microsoft.com/office/powerpoint/2012/main">
+      <p15:sldGuideLst xmlns:p15="http://schemas.microsoft.com/office/powerpoint/2012/main">
         <p15:guide id="1" orient="horz" pos="2160">
           <p15:clr>
             <a:srgbClr val="A4A3A4"/>
@@ -228,7 +228,7 @@
           <a:p>
             <a:fld id="{7665CDAC-D627-4E87-877A-1B781DD4CADC}" type="datetimeFigureOut">
               <a:rPr lang="ko-KR" altLang="en-US" smtClean="0"/>
-              <a:t>2022-05-11</a:t>
+              <a:t>2023-03-21</a:t>
             </a:fld>
             <a:endParaRPr lang="ko-KR" altLang="en-US"/>
           </a:p>
@@ -2446,7 +2446,7 @@
           <a:p>
             <a:fld id="{F4AC81B4-D91A-4578-85B3-829E63FCFE17}" type="datetime1">
               <a:rPr lang="ko-KR" altLang="en-US" smtClean="0"/>
-              <a:t>2022-05-11</a:t>
+              <a:t>2023-03-21</a:t>
             </a:fld>
             <a:endParaRPr lang="ko-KR" altLang="en-US"/>
           </a:p>
@@ -2821,7 +2821,7 @@
           <a:p>
             <a:fld id="{F5B77542-37E5-48F2-BAE7-80CC6B0EB6A3}" type="datetime1">
               <a:rPr lang="ko-KR" altLang="en-US" smtClean="0"/>
-              <a:t>2022-05-11</a:t>
+              <a:t>2023-03-21</a:t>
             </a:fld>
             <a:endParaRPr lang="ko-KR" altLang="en-US"/>
           </a:p>
@@ -3001,7 +3001,7 @@
           <a:p>
             <a:fld id="{227CF174-B5AC-4A98-B673-0BE8126D3F27}" type="datetime1">
               <a:rPr lang="ko-KR" altLang="en-US" smtClean="0"/>
-              <a:t>2022-05-11</a:t>
+              <a:t>2023-03-21</a:t>
             </a:fld>
             <a:endParaRPr lang="ko-KR" altLang="en-US"/>
           </a:p>
@@ -3175,7 +3175,7 @@
           <a:p>
             <a:fld id="{E20FDEC8-1339-42E8-9704-2977280C2FD3}" type="datetime1">
               <a:rPr lang="ko-KR" altLang="en-US" smtClean="0"/>
-              <a:t>2022-05-11</a:t>
+              <a:t>2023-03-21</a:t>
             </a:fld>
             <a:endParaRPr lang="ko-KR" altLang="en-US"/>
           </a:p>
@@ -3421,7 +3421,7 @@
           <a:p>
             <a:fld id="{4D18DC76-A282-4817-B790-197F054E1215}" type="datetime1">
               <a:rPr lang="ko-KR" altLang="en-US" smtClean="0"/>
-              <a:t>2022-05-11</a:t>
+              <a:t>2023-03-21</a:t>
             </a:fld>
             <a:endParaRPr lang="ko-KR" altLang="en-US"/>
           </a:p>
@@ -3709,7 +3709,7 @@
           <a:p>
             <a:fld id="{6680AA6C-13D8-43E4-90F0-E6C88A2B9F16}" type="datetime1">
               <a:rPr lang="ko-KR" altLang="en-US" smtClean="0"/>
-              <a:t>2022-05-11</a:t>
+              <a:t>2023-03-21</a:t>
             </a:fld>
             <a:endParaRPr lang="ko-KR" altLang="en-US"/>
           </a:p>
@@ -4131,7 +4131,7 @@
           <a:p>
             <a:fld id="{3EF5B03B-20CC-436E-8601-C933C6C1F4A6}" type="datetime1">
               <a:rPr lang="ko-KR" altLang="en-US" smtClean="0"/>
-              <a:t>2022-05-11</a:t>
+              <a:t>2023-03-21</a:t>
             </a:fld>
             <a:endParaRPr lang="ko-KR" altLang="en-US"/>
           </a:p>
@@ -4249,7 +4249,7 @@
           <a:p>
             <a:fld id="{87B5A15D-8B08-482F-AB47-E416EC355EB6}" type="datetime1">
               <a:rPr lang="ko-KR" altLang="en-US" smtClean="0"/>
-              <a:t>2022-05-11</a:t>
+              <a:t>2023-03-21</a:t>
             </a:fld>
             <a:endParaRPr lang="ko-KR" altLang="en-US"/>
           </a:p>
@@ -4344,7 +4344,7 @@
           <a:p>
             <a:fld id="{A877D7F8-7B64-44F8-A411-CBD22F28CBFF}" type="datetime1">
               <a:rPr lang="ko-KR" altLang="en-US" smtClean="0"/>
-              <a:t>2022-05-11</a:t>
+              <a:t>2023-03-21</a:t>
             </a:fld>
             <a:endParaRPr lang="ko-KR" altLang="en-US"/>
           </a:p>
@@ -4621,7 +4621,7 @@
           <a:p>
             <a:fld id="{E12DBD9B-2BB6-4D1F-BCB4-1E48829C93C3}" type="datetime1">
               <a:rPr lang="ko-KR" altLang="en-US" smtClean="0"/>
-              <a:t>2022-05-11</a:t>
+              <a:t>2023-03-21</a:t>
             </a:fld>
             <a:endParaRPr lang="ko-KR" altLang="en-US"/>
           </a:p>
@@ -4874,7 +4874,7 @@
           <a:p>
             <a:fld id="{17564C48-0CD7-40EB-BE64-BBF4DB8C56AF}" type="datetime1">
               <a:rPr lang="ko-KR" altLang="en-US" smtClean="0"/>
-              <a:t>2022-05-11</a:t>
+              <a:t>2023-03-21</a:t>
             </a:fld>
             <a:endParaRPr lang="ko-KR" altLang="en-US"/>
           </a:p>
@@ -5054,7 +5054,7 @@
           <a:p>
             <a:fld id="{C116BCB4-B68B-4638-8167-F4BDC0A30DA1}" type="datetime1">
               <a:rPr lang="ko-KR" altLang="en-US" smtClean="0"/>
-              <a:t>2022-05-11</a:t>
+              <a:t>2023-03-21</a:t>
             </a:fld>
             <a:endParaRPr lang="ko-KR" altLang="en-US"/>
           </a:p>
@@ -5865,7 +5865,7 @@
           <p:cNvPr id="13" name="내용 개체 틀 2">
             <a:extLst>
               <a:ext uri="{FF2B5EF4-FFF2-40B4-BE49-F238E27FC236}">
-                <a16:creationId xmlns="" xmlns:a16="http://schemas.microsoft.com/office/drawing/2014/main" id="{98AF3A4E-7D90-4241-89FE-799D6F9D5A94}"/>
+                <a16:creationId xmlns:a16="http://schemas.microsoft.com/office/drawing/2014/main" id="{98AF3A4E-7D90-4241-89FE-799D6F9D5A94}"/>
               </a:ext>
             </a:extLst>
           </p:cNvPr>
@@ -6191,7 +6191,7 @@
           <p:cNvPr id="13" name="내용 개체 틀 2">
             <a:extLst>
               <a:ext uri="{FF2B5EF4-FFF2-40B4-BE49-F238E27FC236}">
-                <a16:creationId xmlns="" xmlns:a16="http://schemas.microsoft.com/office/drawing/2014/main" id="{98AF3A4E-7D90-4241-89FE-799D6F9D5A94}"/>
+                <a16:creationId xmlns:a16="http://schemas.microsoft.com/office/drawing/2014/main" id="{98AF3A4E-7D90-4241-89FE-799D6F9D5A94}"/>
               </a:ext>
             </a:extLst>
           </p:cNvPr>
@@ -6509,7 +6509,7 @@
           <p:cNvPr id="6" name="내용 개체 틀 2">
             <a:extLst>
               <a:ext uri="{FF2B5EF4-FFF2-40B4-BE49-F238E27FC236}">
-                <a16:creationId xmlns="" xmlns:a16="http://schemas.microsoft.com/office/drawing/2014/main" id="{98AF3A4E-7D90-4241-89FE-799D6F9D5A94}"/>
+                <a16:creationId xmlns:a16="http://schemas.microsoft.com/office/drawing/2014/main" id="{98AF3A4E-7D90-4241-89FE-799D6F9D5A94}"/>
               </a:ext>
             </a:extLst>
           </p:cNvPr>
@@ -6923,7 +6923,7 @@
           <p:cNvPr id="13" name="내용 개체 틀 2">
             <a:extLst>
               <a:ext uri="{FF2B5EF4-FFF2-40B4-BE49-F238E27FC236}">
-                <a16:creationId xmlns="" xmlns:a16="http://schemas.microsoft.com/office/drawing/2014/main" id="{98AF3A4E-7D90-4241-89FE-799D6F9D5A94}"/>
+                <a16:creationId xmlns:a16="http://schemas.microsoft.com/office/drawing/2014/main" id="{98AF3A4E-7D90-4241-89FE-799D6F9D5A94}"/>
               </a:ext>
             </a:extLst>
           </p:cNvPr>
@@ -7279,7 +7279,7 @@
           <p:cNvPr id="13" name="내용 개체 틀 2">
             <a:extLst>
               <a:ext uri="{FF2B5EF4-FFF2-40B4-BE49-F238E27FC236}">
-                <a16:creationId xmlns="" xmlns:a16="http://schemas.microsoft.com/office/drawing/2014/main" id="{98AF3A4E-7D90-4241-89FE-799D6F9D5A94}"/>
+                <a16:creationId xmlns:a16="http://schemas.microsoft.com/office/drawing/2014/main" id="{98AF3A4E-7D90-4241-89FE-799D6F9D5A94}"/>
               </a:ext>
             </a:extLst>
           </p:cNvPr>
@@ -7842,7 +7842,7 @@
           <p:cNvPr id="13" name="내용 개체 틀 2">
             <a:extLst>
               <a:ext uri="{FF2B5EF4-FFF2-40B4-BE49-F238E27FC236}">
-                <a16:creationId xmlns="" xmlns:a16="http://schemas.microsoft.com/office/drawing/2014/main" id="{98AF3A4E-7D90-4241-89FE-799D6F9D5A94}"/>
+                <a16:creationId xmlns:a16="http://schemas.microsoft.com/office/drawing/2014/main" id="{98AF3A4E-7D90-4241-89FE-799D6F9D5A94}"/>
               </a:ext>
             </a:extLst>
           </p:cNvPr>
@@ -9689,7 +9689,7 @@
           <p:cNvPr id="13" name="내용 개체 틀 2">
             <a:extLst>
               <a:ext uri="{FF2B5EF4-FFF2-40B4-BE49-F238E27FC236}">
-                <a16:creationId xmlns="" xmlns:a16="http://schemas.microsoft.com/office/drawing/2014/main" id="{98AF3A4E-7D90-4241-89FE-799D6F9D5A94}"/>
+                <a16:creationId xmlns:a16="http://schemas.microsoft.com/office/drawing/2014/main" id="{98AF3A4E-7D90-4241-89FE-799D6F9D5A94}"/>
               </a:ext>
             </a:extLst>
           </p:cNvPr>
@@ -10154,7 +10154,7 @@
           <p:cNvPr id="13" name="내용 개체 틀 2">
             <a:extLst>
               <a:ext uri="{FF2B5EF4-FFF2-40B4-BE49-F238E27FC236}">
-                <a16:creationId xmlns="" xmlns:a16="http://schemas.microsoft.com/office/drawing/2014/main" id="{98AF3A4E-7D90-4241-89FE-799D6F9D5A94}"/>
+                <a16:creationId xmlns:a16="http://schemas.microsoft.com/office/drawing/2014/main" id="{98AF3A4E-7D90-4241-89FE-799D6F9D5A94}"/>
               </a:ext>
             </a:extLst>
           </p:cNvPr>
@@ -10479,7 +10479,7 @@
           <p:cNvPr id="15" name="내용 개체 틀 2">
             <a:extLst>
               <a:ext uri="{FF2B5EF4-FFF2-40B4-BE49-F238E27FC236}">
-                <a16:creationId xmlns="" xmlns:a16="http://schemas.microsoft.com/office/drawing/2014/main" id="{98AF3A4E-7D90-4241-89FE-799D6F9D5A94}"/>
+                <a16:creationId xmlns:a16="http://schemas.microsoft.com/office/drawing/2014/main" id="{98AF3A4E-7D90-4241-89FE-799D6F9D5A94}"/>
               </a:ext>
             </a:extLst>
           </p:cNvPr>
@@ -10841,7 +10841,7 @@
           <p:cNvPr id="13" name="내용 개체 틀 2">
             <a:extLst>
               <a:ext uri="{FF2B5EF4-FFF2-40B4-BE49-F238E27FC236}">
-                <a16:creationId xmlns="" xmlns:a16="http://schemas.microsoft.com/office/drawing/2014/main" id="{98AF3A4E-7D90-4241-89FE-799D6F9D5A94}"/>
+                <a16:creationId xmlns:a16="http://schemas.microsoft.com/office/drawing/2014/main" id="{98AF3A4E-7D90-4241-89FE-799D6F9D5A94}"/>
               </a:ext>
             </a:extLst>
           </p:cNvPr>
@@ -11309,7 +11309,7 @@
           <p:cNvPr id="13" name="내용 개체 틀 2">
             <a:extLst>
               <a:ext uri="{FF2B5EF4-FFF2-40B4-BE49-F238E27FC236}">
-                <a16:creationId xmlns="" xmlns:a16="http://schemas.microsoft.com/office/drawing/2014/main" id="{98AF3A4E-7D90-4241-89FE-799D6F9D5A94}"/>
+                <a16:creationId xmlns:a16="http://schemas.microsoft.com/office/drawing/2014/main" id="{98AF3A4E-7D90-4241-89FE-799D6F9D5A94}"/>
               </a:ext>
             </a:extLst>
           </p:cNvPr>
@@ -11664,7 +11664,7 @@
           <p:cNvPr id="15" name="내용 개체 틀 2">
             <a:extLst>
               <a:ext uri="{FF2B5EF4-FFF2-40B4-BE49-F238E27FC236}">
-                <a16:creationId xmlns="" xmlns:a16="http://schemas.microsoft.com/office/drawing/2014/main" id="{98AF3A4E-7D90-4241-89FE-799D6F9D5A94}"/>
+                <a16:creationId xmlns:a16="http://schemas.microsoft.com/office/drawing/2014/main" id="{98AF3A4E-7D90-4241-89FE-799D6F9D5A94}"/>
               </a:ext>
             </a:extLst>
           </p:cNvPr>
@@ -11977,7 +11977,7 @@
           <p:cNvPr id="13" name="내용 개체 틀 2">
             <a:extLst>
               <a:ext uri="{FF2B5EF4-FFF2-40B4-BE49-F238E27FC236}">
-                <a16:creationId xmlns="" xmlns:a16="http://schemas.microsoft.com/office/drawing/2014/main" id="{98AF3A4E-7D90-4241-89FE-799D6F9D5A94}"/>
+                <a16:creationId xmlns:a16="http://schemas.microsoft.com/office/drawing/2014/main" id="{98AF3A4E-7D90-4241-89FE-799D6F9D5A94}"/>
               </a:ext>
             </a:extLst>
           </p:cNvPr>
@@ -12433,7 +12433,7 @@
           <p:cNvPr id="13" name="내용 개체 틀 2">
             <a:extLst>
               <a:ext uri="{FF2B5EF4-FFF2-40B4-BE49-F238E27FC236}">
-                <a16:creationId xmlns="" xmlns:a16="http://schemas.microsoft.com/office/drawing/2014/main" id="{98AF3A4E-7D90-4241-89FE-799D6F9D5A94}"/>
+                <a16:creationId xmlns:a16="http://schemas.microsoft.com/office/drawing/2014/main" id="{98AF3A4E-7D90-4241-89FE-799D6F9D5A94}"/>
               </a:ext>
             </a:extLst>
           </p:cNvPr>
@@ -12654,7 +12654,7 @@
           <p:cNvPr id="18" name="TextBox 17">
             <a:extLst>
               <a:ext uri="{FF2B5EF4-FFF2-40B4-BE49-F238E27FC236}">
-                <a16:creationId xmlns="" xmlns:a16="http://schemas.microsoft.com/office/drawing/2014/main" id="{D46DD618-61E0-4F40-B204-242CFAF546A3}"/>
+                <a16:creationId xmlns:a16="http://schemas.microsoft.com/office/drawing/2014/main" id="{D46DD618-61E0-4F40-B204-242CFAF546A3}"/>
               </a:ext>
             </a:extLst>
           </p:cNvPr>
@@ -12883,7 +12883,7 @@
           <p:cNvPr id="13" name="내용 개체 틀 2">
             <a:extLst>
               <a:ext uri="{FF2B5EF4-FFF2-40B4-BE49-F238E27FC236}">
-                <a16:creationId xmlns="" xmlns:a16="http://schemas.microsoft.com/office/drawing/2014/main" id="{98AF3A4E-7D90-4241-89FE-799D6F9D5A94}"/>
+                <a16:creationId xmlns:a16="http://schemas.microsoft.com/office/drawing/2014/main" id="{98AF3A4E-7D90-4241-89FE-799D6F9D5A94}"/>
               </a:ext>
             </a:extLst>
           </p:cNvPr>
@@ -13128,7 +13128,7 @@
           <p:cNvPr id="19" name="TextBox 18">
             <a:extLst>
               <a:ext uri="{FF2B5EF4-FFF2-40B4-BE49-F238E27FC236}">
-                <a16:creationId xmlns="" xmlns:a16="http://schemas.microsoft.com/office/drawing/2014/main" id="{D46DD618-61E0-4F40-B204-242CFAF546A3}"/>
+                <a16:creationId xmlns:a16="http://schemas.microsoft.com/office/drawing/2014/main" id="{D46DD618-61E0-4F40-B204-242CFAF546A3}"/>
               </a:ext>
             </a:extLst>
           </p:cNvPr>
@@ -13209,7 +13209,7 @@
           <p:cNvPr id="20" name="TextBox 19">
             <a:extLst>
               <a:ext uri="{FF2B5EF4-FFF2-40B4-BE49-F238E27FC236}">
-                <a16:creationId xmlns="" xmlns:a16="http://schemas.microsoft.com/office/drawing/2014/main" id="{A51F743E-9E23-49EA-803E-E3F5A0CA8B5B}"/>
+                <a16:creationId xmlns:a16="http://schemas.microsoft.com/office/drawing/2014/main" id="{A51F743E-9E23-49EA-803E-E3F5A0CA8B5B}"/>
               </a:ext>
             </a:extLst>
           </p:cNvPr>
@@ -13384,7 +13384,7 @@
           <p:cNvPr id="13" name="내용 개체 틀 2">
             <a:extLst>
               <a:ext uri="{FF2B5EF4-FFF2-40B4-BE49-F238E27FC236}">
-                <a16:creationId xmlns="" xmlns:a16="http://schemas.microsoft.com/office/drawing/2014/main" id="{98AF3A4E-7D90-4241-89FE-799D6F9D5A94}"/>
+                <a16:creationId xmlns:a16="http://schemas.microsoft.com/office/drawing/2014/main" id="{98AF3A4E-7D90-4241-89FE-799D6F9D5A94}"/>
               </a:ext>
             </a:extLst>
           </p:cNvPr>
@@ -13947,7 +13947,7 @@
           <p:cNvPr id="13" name="내용 개체 틀 2">
             <a:extLst>
               <a:ext uri="{FF2B5EF4-FFF2-40B4-BE49-F238E27FC236}">
-                <a16:creationId xmlns="" xmlns:a16="http://schemas.microsoft.com/office/drawing/2014/main" id="{98AF3A4E-7D90-4241-89FE-799D6F9D5A94}"/>
+                <a16:creationId xmlns:a16="http://schemas.microsoft.com/office/drawing/2014/main" id="{98AF3A4E-7D90-4241-89FE-799D6F9D5A94}"/>
               </a:ext>
             </a:extLst>
           </p:cNvPr>
@@ -14800,7 +14800,7 @@
           <p:cNvPr id="13" name="내용 개체 틀 2">
             <a:extLst>
               <a:ext uri="{FF2B5EF4-FFF2-40B4-BE49-F238E27FC236}">
-                <a16:creationId xmlns="" xmlns:a16="http://schemas.microsoft.com/office/drawing/2014/main" id="{98AF3A4E-7D90-4241-89FE-799D6F9D5A94}"/>
+                <a16:creationId xmlns:a16="http://schemas.microsoft.com/office/drawing/2014/main" id="{98AF3A4E-7D90-4241-89FE-799D6F9D5A94}"/>
               </a:ext>
             </a:extLst>
           </p:cNvPr>
@@ -15121,19 +15121,11 @@
             </a:r>
             <a:r>
               <a:rPr lang="en-US" altLang="ko-KR" b="1" dirty="0" smtClean="0"/>
-              <a:t> add  </a:t>
-            </a:r>
-            <a:r>
-              <a:rPr lang="en-US" altLang="ko-KR" b="1" dirty="0" smtClean="0"/>
-              <a:t>. (</a:t>
+              <a:t> add  . (</a:t>
             </a:r>
             <a:r>
               <a:rPr lang="ko-KR" altLang="en-US" b="1" dirty="0" smtClean="0"/>
-              <a:t>모든 파일</a:t>
-            </a:r>
-            <a:r>
-              <a:rPr lang="ko-KR" altLang="en-US" b="1" dirty="0" smtClean="0"/>
-              <a:t> </a:t>
+              <a:t>모든 파일 </a:t>
             </a:r>
             <a:r>
               <a:rPr lang="en-US" altLang="ko-KR" b="1" dirty="0" smtClean="0"/>
@@ -15401,7 +15393,7 @@
           <p:cNvPr id="13" name="내용 개체 틀 2">
             <a:extLst>
               <a:ext uri="{FF2B5EF4-FFF2-40B4-BE49-F238E27FC236}">
-                <a16:creationId xmlns="" xmlns:a16="http://schemas.microsoft.com/office/drawing/2014/main" id="{98AF3A4E-7D90-4241-89FE-799D6F9D5A94}"/>
+                <a16:creationId xmlns:a16="http://schemas.microsoft.com/office/drawing/2014/main" id="{98AF3A4E-7D90-4241-89FE-799D6F9D5A94}"/>
               </a:ext>
             </a:extLst>
           </p:cNvPr>
@@ -15715,8 +15707,13 @@
             </a:r>
             <a:r>
               <a:rPr lang="en-US" altLang="ko-KR" b="1" dirty="0" smtClean="0"/>
-              <a:t>add *</a:t>
-            </a:r>
+              <a:t>add </a:t>
+            </a:r>
+            <a:r>
+              <a:rPr lang="en-US" altLang="ko-KR" b="1" dirty="0" smtClean="0"/>
+              <a:t>.</a:t>
+            </a:r>
+            <a:endParaRPr lang="en-US" altLang="ko-KR" b="1" dirty="0" smtClean="0"/>
           </a:p>
           <a:p>
             <a:endParaRPr lang="en-US" altLang="ko-KR" dirty="0"/>
